--- a/project 1.pptx
+++ b/project 1.pptx
@@ -910,7 +910,7 @@
     </p:spTree>
     <p:extLst>
       <p:ext uri="{BB962C8B-B14F-4D97-AF65-F5344CB8AC3E}">
-        <p14:creationId xmlns:p14="http://schemas.microsoft.com/office/powerpoint/2010/main" val="679450454"/>
+        <p14:creationId xmlns:p14="http://schemas.microsoft.com/office/powerpoint/2010/main" val="1017644870"/>
       </p:ext>
     </p:extLst>
   </p:cSld>
@@ -4173,7 +4173,89 @@
               <a:buFont typeface="Wingdings" panose="05000000000000000000" pitchFamily="2" charset="2"/>
               <a:buChar char="q"/>
             </a:pPr>
-            <a:endParaRPr lang="en-US" sz="2000" dirty="0" smtClean="0"/>
+            <a:r>
+              <a:rPr lang="en-US" sz="2000" dirty="0" smtClean="0"/>
+              <a:t>Process track</a:t>
+            </a:r>
+          </a:p>
+          <a:p>
+            <a:pPr lvl="1">
+              <a:lnSpc>
+                <a:spcPct val="150000"/>
+              </a:lnSpc>
+              <a:buFont typeface="Wingdings" panose="05000000000000000000" pitchFamily="2" charset="2"/>
+              <a:buChar char="q"/>
+            </a:pPr>
+            <a:r>
+              <a:rPr lang="en-US" sz="1600" dirty="0" smtClean="0"/>
+              <a:t>Each two days have a process track</a:t>
+            </a:r>
+          </a:p>
+          <a:p>
+            <a:pPr>
+              <a:lnSpc>
+                <a:spcPct val="150000"/>
+              </a:lnSpc>
+              <a:buFont typeface="Wingdings" panose="05000000000000000000" pitchFamily="2" charset="2"/>
+              <a:buChar char="q"/>
+            </a:pPr>
+            <a:r>
+              <a:rPr lang="en-US" sz="2000" dirty="0" smtClean="0"/>
+              <a:t>Timeline</a:t>
+            </a:r>
+          </a:p>
+          <a:p>
+            <a:pPr lvl="1">
+              <a:lnSpc>
+                <a:spcPct val="150000"/>
+              </a:lnSpc>
+              <a:buFont typeface="Wingdings" panose="05000000000000000000" pitchFamily="2" charset="2"/>
+              <a:buChar char="q"/>
+            </a:pPr>
+            <a:r>
+              <a:rPr lang="en-US" sz="1600" dirty="0" smtClean="0"/>
+              <a:t>Depends on due day</a:t>
+            </a:r>
+            <a:endParaRPr lang="en-US" sz="1600" dirty="0" smtClean="0"/>
+          </a:p>
+          <a:p>
+            <a:pPr>
+              <a:lnSpc>
+                <a:spcPct val="150000"/>
+              </a:lnSpc>
+              <a:buFont typeface="Wingdings" panose="05000000000000000000" pitchFamily="2" charset="2"/>
+              <a:buChar char="q"/>
+            </a:pPr>
+            <a:r>
+              <a:rPr lang="en-US" sz="2000" dirty="0" smtClean="0"/>
+              <a:t>Result compared</a:t>
+            </a:r>
+          </a:p>
+          <a:p>
+            <a:pPr lvl="1">
+              <a:lnSpc>
+                <a:spcPct val="150000"/>
+              </a:lnSpc>
+              <a:buFont typeface="Wingdings" panose="05000000000000000000" pitchFamily="2" charset="2"/>
+              <a:buChar char="q"/>
+            </a:pPr>
+            <a:r>
+              <a:rPr lang="en-US" sz="1600" dirty="0"/>
+              <a:t>RMSD</a:t>
+            </a:r>
+          </a:p>
+          <a:p>
+            <a:pPr lvl="1">
+              <a:lnSpc>
+                <a:spcPct val="150000"/>
+              </a:lnSpc>
+              <a:buFont typeface="Wingdings" panose="05000000000000000000" pitchFamily="2" charset="2"/>
+              <a:buChar char="q"/>
+            </a:pPr>
+            <a:r>
+              <a:rPr lang="en-US" sz="1600" dirty="0"/>
+              <a:t>TM-score</a:t>
+            </a:r>
           </a:p>
           <a:p>
             <a:pPr>
@@ -4188,7 +4270,7 @@
     </p:spTree>
     <p:extLst>
       <p:ext uri="{BB962C8B-B14F-4D97-AF65-F5344CB8AC3E}">
-        <p14:creationId xmlns:p14="http://schemas.microsoft.com/office/powerpoint/2010/main" val="265181540"/>
+        <p14:creationId xmlns:p14="http://schemas.microsoft.com/office/powerpoint/2010/main" val="2264368954"/>
       </p:ext>
     </p:extLst>
   </p:cSld>
@@ -6065,6 +6147,36 @@
           </a:p>
         </p:txBody>
       </p:sp>
+      <p:pic>
+        <p:nvPicPr>
+          <p:cNvPr id="2" name="图片 1"/>
+          <p:cNvPicPr>
+            <a:picLocks noChangeAspect="1"/>
+          </p:cNvPicPr>
+          <p:nvPr/>
+        </p:nvPicPr>
+        <p:blipFill>
+          <a:blip r:embed="rId3">
+            <a:extLst>
+              <a:ext uri="{28A0092B-C50C-407E-A947-70E740481C1C}">
+                <a14:useLocalDpi xmlns:a14="http://schemas.microsoft.com/office/drawing/2010/main" val="0"/>
+              </a:ext>
+            </a:extLst>
+          </a:blip>
+          <a:stretch>
+            <a:fillRect/>
+          </a:stretch>
+        </p:blipFill>
+        <p:spPr>
+          <a:xfrm>
+            <a:off x="2971800" y="3664513"/>
+            <a:ext cx="6172200" cy="3193486"/>
+          </a:xfrm>
+          <a:prstGeom prst="rect">
+            <a:avLst/>
+          </a:prstGeom>
+        </p:spPr>
+      </p:pic>
     </p:spTree>
     <p:extLst>
       <p:ext uri="{BB962C8B-B14F-4D97-AF65-F5344CB8AC3E}">
